--- a/rooibos/powerpoint/pptx_templates/simple.pptx
+++ b/rooibos/powerpoint/pptx_templates/simple.pptx
@@ -3156,7 +3156,7 @@
       </p:sp>
       <p:pic>
         <p:nvPicPr>
-          <p:cNvPr id="4" name="Content Placeholder 3" descr="883594.jpg"/>
+          <p:cNvPr id="4" name="Content Placeholder 3" descr="image"/>
           <p:cNvPicPr>
             <a:picLocks noGrp="1" noChangeAspect="1"/>
           </p:cNvPicPr>
